--- a/2021-04-12to04-16 (A5) C53517 SoftMARS/30_15v01_MarsBaseAlpha_FinalFindings.pptx
+++ b/2021-04-12to04-16 (A5) C53517 SoftMARS/30_15v01_MarsBaseAlpha_FinalFindings.pptx
@@ -297,7 +297,7 @@
           <a:p>
             <a:fld id="{F319E496-E8FF-4856-B08F-DBE14D18B236}" type="datetimeFigureOut">
               <a:rPr lang="en-US" smtClean="0"/>
-              <a:t>1/21/2022</a:t>
+              <a:t>1/29/2022</a:t>
             </a:fld>
             <a:endParaRPr lang="en-US" dirty="0"/>
           </a:p>
@@ -474,7 +474,7 @@
           <a:p>
             <a:fld id="{4572F63B-EF0F-9942-98B2-F67CC88AF236}" type="datetimeFigureOut">
               <a:rPr lang="en-US" smtClean="0"/>
-              <a:t>1/21/2022</a:t>
+              <a:t>1/29/2022</a:t>
             </a:fld>
             <a:endParaRPr lang="en-US" dirty="0"/>
           </a:p>
@@ -2065,7 +2065,7 @@
               </a14:hiddenLine>
             </a:ext>
             <a:ext uri="{FAA26D3D-D897-4be2-8F04-BA451C77F1D7}">
-              <ma14:placeholderFlag xmlns:ma14="http://schemas.microsoft.com/office/mac/drawingml/2011/main" xmlns="" val="1"/>
+              <ma14:placeholderFlag xmlns="" xmlns:ma14="http://schemas.microsoft.com/office/mac/drawingml/2011/main" val="1"/>
             </a:ext>
           </a:extLst>
         </p:spPr>
@@ -2319,7 +2319,7 @@
               </a14:hiddenLine>
             </a:ext>
             <a:ext uri="{FAA26D3D-D897-4be2-8F04-BA451C77F1D7}">
-              <ma14:placeholderFlag xmlns:ma14="http://schemas.microsoft.com/office/mac/drawingml/2011/main" xmlns="" val="1"/>
+              <ma14:placeholderFlag xmlns="" xmlns:ma14="http://schemas.microsoft.com/office/mac/drawingml/2011/main" val="1"/>
             </a:ext>
           </a:extLst>
         </p:spPr>
@@ -2573,7 +2573,7 @@
               </a14:hiddenLine>
             </a:ext>
             <a:ext uri="{FAA26D3D-D897-4be2-8F04-BA451C77F1D7}">
-              <ma14:placeholderFlag xmlns:ma14="http://schemas.microsoft.com/office/mac/drawingml/2011/main" xmlns="" val="1"/>
+              <ma14:placeholderFlag xmlns="" xmlns:ma14="http://schemas.microsoft.com/office/mac/drawingml/2011/main" val="1"/>
             </a:ext>
           </a:extLst>
         </p:spPr>
@@ -3102,7 +3102,7 @@
               </a14:hiddenLine>
             </a:ext>
             <a:ext uri="{FAA26D3D-D897-4be2-8F04-BA451C77F1D7}">
-              <ma14:placeholderFlag xmlns:ma14="http://schemas.microsoft.com/office/mac/drawingml/2011/main" xmlns="" val="1"/>
+              <ma14:placeholderFlag xmlns="" xmlns:ma14="http://schemas.microsoft.com/office/mac/drawingml/2011/main" val="1"/>
             </a:ext>
           </a:extLst>
         </p:spPr>
@@ -5999,14 +5999,14 @@
           </a:ln>
           <a:extLst>
             <a:ext uri="{909E8E84-426E-40dd-AFC4-6F175D3DCCD1}">
-              <a14:hiddenFill xmlns="" xmlns:a14="http://schemas.microsoft.com/office/drawing/2010/main">
+              <a14:hiddenFill xmlns:a14="http://schemas.microsoft.com/office/drawing/2010/main" xmlns="">
                 <a:solidFill>
                   <a:schemeClr val="accent1"/>
                 </a:solidFill>
               </a14:hiddenFill>
             </a:ext>
             <a:ext uri="{91240B29-F687-4f45-9708-019B960494DF}">
-              <a14:hiddenLine xmlns="" xmlns:a14="http://schemas.microsoft.com/office/drawing/2010/main" w="9525">
+              <a14:hiddenLine xmlns:a14="http://schemas.microsoft.com/office/drawing/2010/main" xmlns="" w="9525">
                 <a:solidFill>
                   <a:schemeClr val="tx1"/>
                 </a:solidFill>
@@ -6448,7 +6448,7 @@
           <a:graphicData uri="http://schemas.openxmlformats.org/presentationml/2006/ole">
             <mc:AlternateContent xmlns:mc="http://schemas.openxmlformats.org/markup-compatibility/2006">
               <mc:Choice xmlns:v="urn:schemas-microsoft-com:vml" Requires="v">
-                <p:oleObj spid="_x0000_s1050" name="Macro-Enabled Worksheet" r:id="rId3" imgW="5196769" imgH="3116643" progId="Excel.SheetMacroEnabled.12">
+                <p:oleObj spid="_x0000_s1053" name="Macro-Enabled Worksheet" r:id="rId3" imgW="5196769" imgH="3116643" progId="Excel.SheetMacroEnabled.12">
                   <p:link updateAutomatic="1"/>
                 </p:oleObj>
               </mc:Choice>
@@ -6565,7 +6565,7 @@
           <a:graphicData uri="http://schemas.openxmlformats.org/presentationml/2006/ole">
             <mc:AlternateContent xmlns:mc="http://schemas.openxmlformats.org/markup-compatibility/2006">
               <mc:Choice xmlns:v="urn:schemas-microsoft-com:vml" Requires="v">
-                <p:oleObj spid="_x0000_s1051" name="Macro-Enabled Worksheet" r:id="rId5" imgW="5196769" imgH="670670" progId="Excel.SheetMacroEnabled.12">
+                <p:oleObj spid="_x0000_s1054" name="Macro-Enabled Worksheet" r:id="rId5" imgW="5196769" imgH="670670" progId="Excel.SheetMacroEnabled.12">
                   <p:link updateAutomatic="1"/>
                 </p:oleObj>
               </mc:Choice>
@@ -6628,7 +6628,7 @@
           <a:graphicData uri="http://schemas.openxmlformats.org/presentationml/2006/ole">
             <mc:AlternateContent xmlns:mc="http://schemas.openxmlformats.org/markup-compatibility/2006">
               <mc:Choice xmlns:v="urn:schemas-microsoft-com:vml" Requires="v">
-                <p:oleObj spid="_x0000_s1052" name="Macro-Enabled Worksheet" r:id="rId7" imgW="5196769" imgH="274461" progId="Excel.SheetMacroEnabled.12">
+                <p:oleObj spid="_x0000_s1055" name="Macro-Enabled Worksheet" r:id="rId7" imgW="5196769" imgH="274461" progId="Excel.SheetMacroEnabled.12">
                   <p:link updateAutomatic="1"/>
                 </p:oleObj>
               </mc:Choice>
@@ -7334,7 +7334,7 @@
           <a:graphicData uri="http://schemas.openxmlformats.org/presentationml/2006/ole">
             <mc:AlternateContent xmlns:mc="http://schemas.openxmlformats.org/markup-compatibility/2006">
               <mc:Choice xmlns:v="urn:schemas-microsoft-com:vml" Requires="v">
-                <p:oleObj spid="_x0000_s5130" name="Macro-Enabled Worksheet" r:id="rId4" imgW="8244911" imgH="2110850" progId="Excel.SheetMacroEnabled.12">
+                <p:oleObj spid="_x0000_s5131" name="Macro-Enabled Worksheet" r:id="rId4" imgW="8244911" imgH="2110850" progId="Excel.SheetMacroEnabled.12">
                   <p:link updateAutomatic="1"/>
                 </p:oleObj>
               </mc:Choice>
@@ -7458,7 +7458,7 @@
           <a:graphicData uri="http://schemas.openxmlformats.org/presentationml/2006/ole">
             <mc:AlternateContent xmlns:mc="http://schemas.openxmlformats.org/markup-compatibility/2006">
               <mc:Choice xmlns:v="urn:schemas-microsoft-com:vml" Requires="v">
-                <p:oleObj spid="_x0000_s6154" name="Macro-Enabled Worksheet" r:id="rId4" imgW="9928683" imgH="5722541" progId="Excel.SheetMacroEnabled.12">
+                <p:oleObj spid="_x0000_s6155" name="Macro-Enabled Worksheet" r:id="rId4" imgW="9928683" imgH="5722541" progId="Excel.SheetMacroEnabled.12">
                   <p:link updateAutomatic="1"/>
                 </p:oleObj>
               </mc:Choice>
@@ -7577,7 +7577,7 @@
           <a:graphicData uri="http://schemas.openxmlformats.org/presentationml/2006/ole">
             <mc:AlternateContent xmlns:mc="http://schemas.openxmlformats.org/markup-compatibility/2006">
               <mc:Choice xmlns:v="urn:schemas-microsoft-com:vml" Requires="v">
-                <p:oleObj spid="_x0000_s7178" name="Macro-Enabled Worksheet" r:id="rId4" imgW="7437262" imgH="1196261" progId="Excel.SheetMacroEnabled.12">
+                <p:oleObj spid="_x0000_s7179" name="Macro-Enabled Worksheet" r:id="rId4" imgW="7437262" imgH="1196261" progId="Excel.SheetMacroEnabled.12">
                   <p:link updateAutomatic="1"/>
                 </p:oleObj>
               </mc:Choice>
@@ -7670,7 +7670,7 @@
           <a:graphicData uri="http://schemas.openxmlformats.org/presentationml/2006/ole">
             <mc:AlternateContent xmlns:mc="http://schemas.openxmlformats.org/markup-compatibility/2006">
               <mc:Choice xmlns:v="urn:schemas-microsoft-com:vml" Requires="v">
-                <p:oleObj spid="_x0000_s8202" name="Macro-Enabled Worksheet" r:id="rId4" imgW="13403403" imgH="4008324" progId="Excel.SheetMacroEnabled.12">
+                <p:oleObj spid="_x0000_s8203" name="Macro-Enabled Worksheet" r:id="rId4" imgW="13403403" imgH="4008324" progId="Excel.SheetMacroEnabled.12">
                   <p:link updateAutomatic="1"/>
                 </p:oleObj>
               </mc:Choice>
@@ -7789,7 +7789,7 @@
           <a:graphicData uri="http://schemas.openxmlformats.org/presentationml/2006/ole">
             <mc:AlternateContent xmlns:mc="http://schemas.openxmlformats.org/markup-compatibility/2006">
               <mc:Choice xmlns:v="urn:schemas-microsoft-com:vml" Requires="v">
-                <p:oleObj spid="_x0000_s9226" name="Macro-Enabled Worksheet" r:id="rId3" imgW="11186302" imgH="3474673" progId="Excel.SheetMacroEnabled.12">
+                <p:oleObj spid="_x0000_s9227" name="Macro-Enabled Worksheet" r:id="rId3" imgW="11186302" imgH="3474673" progId="Excel.SheetMacroEnabled.12">
                   <p:link updateAutomatic="1"/>
                 </p:oleObj>
               </mc:Choice>
@@ -7947,7 +7947,7 @@
           <a:graphicData uri="http://schemas.openxmlformats.org/presentationml/2006/ole">
             <mc:AlternateContent xmlns:mc="http://schemas.openxmlformats.org/markup-compatibility/2006">
               <mc:Choice xmlns:v="urn:schemas-microsoft-com:vml" Requires="v">
-                <p:oleObj spid="_x0000_s10250" name="Macro-Enabled Worksheet" r:id="rId3" imgW="11186302" imgH="3474673" progId="Excel.SheetMacroEnabled.12">
+                <p:oleObj spid="_x0000_s10251" name="Macro-Enabled Worksheet" r:id="rId3" imgW="11186302" imgH="3474673" progId="Excel.SheetMacroEnabled.12">
                   <p:link updateAutomatic="1"/>
                 </p:oleObj>
               </mc:Choice>
@@ -21150,36 +21150,6 @@
           </a:prstGeom>
         </p:spPr>
       </p:pic>
-      <p:pic>
-        <p:nvPicPr>
-          <p:cNvPr id="5" name="Picture 4">
-            <a:extLst>
-              <a:ext uri="{FF2B5EF4-FFF2-40B4-BE49-F238E27FC236}">
-                <a16:creationId xmlns:a16="http://schemas.microsoft.com/office/drawing/2014/main" id="{E50ED1C5-E8BB-402A-A021-8440047A6E76}"/>
-              </a:ext>
-            </a:extLst>
-          </p:cNvPr>
-          <p:cNvPicPr>
-            <a:picLocks noChangeAspect="1"/>
-          </p:cNvPicPr>
-          <p:nvPr/>
-        </p:nvPicPr>
-        <p:blipFill>
-          <a:blip r:embed="rId5"/>
-          <a:stretch>
-            <a:fillRect/>
-          </a:stretch>
-        </p:blipFill>
-        <p:spPr>
-          <a:xfrm>
-            <a:off x="9165270" y="1402724"/>
-            <a:ext cx="1672705" cy="2277197"/>
-          </a:xfrm>
-          <a:prstGeom prst="rect">
-            <a:avLst/>
-          </a:prstGeom>
-        </p:spPr>
-      </p:pic>
       <p:graphicFrame>
         <p:nvGraphicFramePr>
           <p:cNvPr id="3" name="Object 2">
@@ -21208,12 +21178,12 @@
           <a:graphicData uri="http://schemas.openxmlformats.org/presentationml/2006/ole">
             <mc:AlternateContent xmlns:mc="http://schemas.openxmlformats.org/markup-compatibility/2006">
               <mc:Choice xmlns:v="urn:schemas-microsoft-com:vml" Requires="v">
-                <p:oleObj spid="_x0000_s11274" name="Macro-Enabled Worksheet" r:id="rId6" imgW="3330117" imgH="182833" progId="Excel.SheetMacroEnabled.12">
+                <p:oleObj spid="_x0000_s11275" name="Macro-Enabled Worksheet" r:id="rId5" imgW="3330117" imgH="182833" progId="Excel.SheetMacroEnabled.12">
                   <p:link updateAutomatic="1"/>
                 </p:oleObj>
               </mc:Choice>
               <mc:Fallback>
-                <p:oleObj name="Macro-Enabled Worksheet" r:id="rId6" imgW="3330117" imgH="182833" progId="Excel.SheetMacroEnabled.12">
+                <p:oleObj name="Macro-Enabled Worksheet" r:id="rId5" imgW="3330117" imgH="182833" progId="Excel.SheetMacroEnabled.12">
                   <p:link updateAutomatic="1"/>
                   <p:pic>
                     <p:nvPicPr>
@@ -21222,7 +21192,7 @@
                       <p:nvPr/>
                     </p:nvPicPr>
                     <p:blipFill>
-                      <a:blip r:embed="rId7"/>
+                      <a:blip r:embed="rId6"/>
                       <a:stretch>
                         <a:fillRect/>
                       </a:stretch>
@@ -21243,6 +21213,36 @@
           </a:graphicData>
         </a:graphic>
       </p:graphicFrame>
+      <p:pic>
+        <p:nvPicPr>
+          <p:cNvPr id="9" name="Picture 8">
+            <a:extLst>
+              <a:ext uri="{FF2B5EF4-FFF2-40B4-BE49-F238E27FC236}">
+                <a16:creationId xmlns:a16="http://schemas.microsoft.com/office/drawing/2014/main" id="{1821A6FB-E09E-4F97-AC85-D866DE56A84A}"/>
+              </a:ext>
+            </a:extLst>
+          </p:cNvPr>
+          <p:cNvPicPr>
+            <a:picLocks noChangeAspect="1"/>
+          </p:cNvPicPr>
+          <p:nvPr/>
+        </p:nvPicPr>
+        <p:blipFill>
+          <a:blip r:embed="rId7"/>
+          <a:stretch>
+            <a:fillRect/>
+          </a:stretch>
+        </p:blipFill>
+        <p:spPr>
+          <a:xfrm>
+            <a:off x="8971280" y="2172970"/>
+            <a:ext cx="1723565" cy="2134870"/>
+          </a:xfrm>
+          <a:prstGeom prst="rect">
+            <a:avLst/>
+          </a:prstGeom>
+        </p:spPr>
+      </p:pic>
     </p:spTree>
     <p:extLst>
       <p:ext uri="{BB962C8B-B14F-4D97-AF65-F5344CB8AC3E}">
@@ -21336,36 +21336,6 @@
           </a:prstGeom>
         </p:spPr>
       </p:pic>
-      <p:pic>
-        <p:nvPicPr>
-          <p:cNvPr id="6" name="Picture 5">
-            <a:extLst>
-              <a:ext uri="{FF2B5EF4-FFF2-40B4-BE49-F238E27FC236}">
-                <a16:creationId xmlns:a16="http://schemas.microsoft.com/office/drawing/2014/main" id="{27F8B9E4-4D25-465C-B266-627B2459093D}"/>
-              </a:ext>
-            </a:extLst>
-          </p:cNvPr>
-          <p:cNvPicPr>
-            <a:picLocks noChangeAspect="1"/>
-          </p:cNvPicPr>
-          <p:nvPr/>
-        </p:nvPicPr>
-        <p:blipFill>
-          <a:blip r:embed="rId5"/>
-          <a:stretch>
-            <a:fillRect/>
-          </a:stretch>
-        </p:blipFill>
-        <p:spPr>
-          <a:xfrm>
-            <a:off x="9165270" y="1402724"/>
-            <a:ext cx="1672705" cy="2277197"/>
-          </a:xfrm>
-          <a:prstGeom prst="rect">
-            <a:avLst/>
-          </a:prstGeom>
-        </p:spPr>
-      </p:pic>
       <p:graphicFrame>
         <p:nvGraphicFramePr>
           <p:cNvPr id="7" name="Object 6">
@@ -21394,12 +21364,12 @@
           <a:graphicData uri="http://schemas.openxmlformats.org/presentationml/2006/ole">
             <mc:AlternateContent xmlns:mc="http://schemas.openxmlformats.org/markup-compatibility/2006">
               <mc:Choice xmlns:v="urn:schemas-microsoft-com:vml" Requires="v">
-                <p:oleObj spid="_x0000_s12298" name="Macro-Enabled Worksheet" r:id="rId6" imgW="3330117" imgH="182833" progId="Excel.SheetMacroEnabled.12">
+                <p:oleObj spid="_x0000_s12299" name="Macro-Enabled Worksheet" r:id="rId5" imgW="3330117" imgH="182833" progId="Excel.SheetMacroEnabled.12">
                   <p:link updateAutomatic="1"/>
                 </p:oleObj>
               </mc:Choice>
               <mc:Fallback>
-                <p:oleObj name="Macro-Enabled Worksheet" r:id="rId6" imgW="3330117" imgH="182833" progId="Excel.SheetMacroEnabled.12">
+                <p:oleObj name="Macro-Enabled Worksheet" r:id="rId5" imgW="3330117" imgH="182833" progId="Excel.SheetMacroEnabled.12">
                   <p:link updateAutomatic="1"/>
                   <p:pic>
                     <p:nvPicPr>
@@ -21414,7 +21384,7 @@
                       <p:nvPr/>
                     </p:nvPicPr>
                     <p:blipFill>
-                      <a:blip r:embed="rId7"/>
+                      <a:blip r:embed="rId6"/>
                       <a:stretch>
                         <a:fillRect/>
                       </a:stretch>
@@ -21435,6 +21405,36 @@
           </a:graphicData>
         </a:graphic>
       </p:graphicFrame>
+      <p:pic>
+        <p:nvPicPr>
+          <p:cNvPr id="4" name="Picture 3">
+            <a:extLst>
+              <a:ext uri="{FF2B5EF4-FFF2-40B4-BE49-F238E27FC236}">
+                <a16:creationId xmlns:a16="http://schemas.microsoft.com/office/drawing/2014/main" id="{50226AA9-9A39-4C01-8812-581028B161A5}"/>
+              </a:ext>
+            </a:extLst>
+          </p:cNvPr>
+          <p:cNvPicPr>
+            <a:picLocks noChangeAspect="1"/>
+          </p:cNvPicPr>
+          <p:nvPr/>
+        </p:nvPicPr>
+        <p:blipFill>
+          <a:blip r:embed="rId7"/>
+          <a:stretch>
+            <a:fillRect/>
+          </a:stretch>
+        </p:blipFill>
+        <p:spPr>
+          <a:xfrm>
+            <a:off x="9611360" y="2020570"/>
+            <a:ext cx="1723565" cy="2134870"/>
+          </a:xfrm>
+          <a:prstGeom prst="rect">
+            <a:avLst/>
+          </a:prstGeom>
+        </p:spPr>
+      </p:pic>
     </p:spTree>
     <p:extLst>
       <p:ext uri="{BB962C8B-B14F-4D97-AF65-F5344CB8AC3E}">
@@ -21900,7 +21900,7 @@
           <a:graphicData uri="http://schemas.openxmlformats.org/presentationml/2006/ole">
             <mc:AlternateContent xmlns:mc="http://schemas.openxmlformats.org/markup-compatibility/2006">
               <mc:Choice xmlns:v="urn:schemas-microsoft-com:vml" Requires="v">
-                <p:oleObj spid="_x0000_s13322" name="Macro-Enabled Worksheet" r:id="rId4" imgW="12626375" imgH="4396897" progId="Excel.SheetMacroEnabled.12">
+                <p:oleObj spid="_x0000_s13323" name="Macro-Enabled Worksheet" r:id="rId4" imgW="12626375" imgH="4396897" progId="Excel.SheetMacroEnabled.12">
                   <p:link updateAutomatic="1"/>
                 </p:oleObj>
               </mc:Choice>
@@ -22102,7 +22102,7 @@
           <a:graphicData uri="http://schemas.openxmlformats.org/presentationml/2006/ole">
             <mc:AlternateContent xmlns:mc="http://schemas.openxmlformats.org/markup-compatibility/2006">
               <mc:Choice xmlns:v="urn:schemas-microsoft-com:vml" Requires="v">
-                <p:oleObj spid="_x0000_s14346" name="Macro-Enabled Worksheet" r:id="rId3" imgW="8580049" imgH="1988679" progId="Excel.SheetMacroEnabled.12">
+                <p:oleObj spid="_x0000_s14347" name="Macro-Enabled Worksheet" r:id="rId3" imgW="8580049" imgH="1988679" progId="Excel.SheetMacroEnabled.12">
                   <p:link updateAutomatic="1"/>
                 </p:oleObj>
               </mc:Choice>
@@ -22223,7 +22223,7 @@
           <a:graphicData uri="http://schemas.openxmlformats.org/presentationml/2006/ole">
             <mc:AlternateContent xmlns:mc="http://schemas.openxmlformats.org/markup-compatibility/2006">
               <mc:Choice xmlns:v="urn:schemas-microsoft-com:vml" Requires="v">
-                <p:oleObj spid="_x0000_s15370" name="Macro-Enabled Worksheet" r:id="rId3" imgW="8580049" imgH="2979624" progId="Excel.SheetMacroEnabled.12">
+                <p:oleObj spid="_x0000_s15371" name="Macro-Enabled Worksheet" r:id="rId3" imgW="8580049" imgH="2979624" progId="Excel.SheetMacroEnabled.12">
                   <p:link updateAutomatic="1"/>
                 </p:oleObj>
               </mc:Choice>
@@ -22998,7 +22998,7 @@
           <a:graphicData uri="http://schemas.openxmlformats.org/presentationml/2006/ole">
             <mc:AlternateContent xmlns:mc="http://schemas.openxmlformats.org/markup-compatibility/2006">
               <mc:Choice xmlns:v="urn:schemas-microsoft-com:vml" Requires="v">
-                <p:oleObj spid="_x0000_s16394" name="Macro-Enabled Worksheet" r:id="rId3" imgW="9060215" imgH="1821117" progId="Excel.SheetMacroEnabled.12">
+                <p:oleObj spid="_x0000_s16395" name="Macro-Enabled Worksheet" r:id="rId3" imgW="9060215" imgH="1821117" progId="Excel.SheetMacroEnabled.12">
                   <p:link updateAutomatic="1"/>
                 </p:oleObj>
               </mc:Choice>
@@ -23261,14 +23261,14 @@
           </a:ln>
           <a:extLst>
             <a:ext uri="{909E8E84-426E-40dd-AFC4-6F175D3DCCD1}">
-              <a14:hiddenFill xmlns:a14="http://schemas.microsoft.com/office/drawing/2010/main" xmlns="">
+              <a14:hiddenFill xmlns="" xmlns:a14="http://schemas.microsoft.com/office/drawing/2010/main">
                 <a:solidFill>
                   <a:srgbClr val="FFFFFF"/>
                 </a:solidFill>
               </a14:hiddenFill>
             </a:ext>
             <a:ext uri="{91240B29-F687-4f45-9708-019B960494DF}">
-              <a14:hiddenLine xmlns:a14="http://schemas.microsoft.com/office/drawing/2010/main" xmlns="" w="9525">
+              <a14:hiddenLine xmlns="" xmlns:a14="http://schemas.microsoft.com/office/drawing/2010/main" w="9525">
                 <a:solidFill>
                   <a:srgbClr val="000000"/>
                 </a:solidFill>
@@ -23419,14 +23419,14 @@
           </a:ln>
           <a:extLst>
             <a:ext uri="{909E8E84-426E-40dd-AFC4-6F175D3DCCD1}">
-              <a14:hiddenFill xmlns:a14="http://schemas.microsoft.com/office/drawing/2010/main" xmlns="">
+              <a14:hiddenFill xmlns="" xmlns:a14="http://schemas.microsoft.com/office/drawing/2010/main">
                 <a:solidFill>
                   <a:srgbClr val="FFFFFF"/>
                 </a:solidFill>
               </a14:hiddenFill>
             </a:ext>
             <a:ext uri="{91240B29-F687-4f45-9708-019B960494DF}">
-              <a14:hiddenLine xmlns:a14="http://schemas.microsoft.com/office/drawing/2010/main" xmlns="" w="9525">
+              <a14:hiddenLine xmlns="" xmlns:a14="http://schemas.microsoft.com/office/drawing/2010/main" w="9525">
                 <a:solidFill>
                   <a:srgbClr val="000000"/>
                 </a:solidFill>
@@ -23725,7 +23725,7 @@
           <a:graphicData uri="http://schemas.openxmlformats.org/presentationml/2006/ole">
             <mc:AlternateContent xmlns:mc="http://schemas.openxmlformats.org/markup-compatibility/2006">
               <mc:Choice xmlns:v="urn:schemas-microsoft-com:vml" Requires="v">
-                <p:oleObj spid="_x0000_s17418" name="Macro-Enabled Worksheet" r:id="rId5" imgW="2933735" imgH="693577" progId="Excel.SheetMacroEnabled.12">
+                <p:oleObj spid="_x0000_s17419" name="Macro-Enabled Worksheet" r:id="rId5" imgW="2933735" imgH="693577" progId="Excel.SheetMacroEnabled.12">
                   <p:link updateAutomatic="1"/>
                 </p:oleObj>
               </mc:Choice>
@@ -24091,7 +24091,7 @@
           <a:graphicData uri="http://schemas.openxmlformats.org/presentationml/2006/ole">
             <mc:AlternateContent xmlns:mc="http://schemas.openxmlformats.org/markup-compatibility/2006">
               <mc:Choice xmlns:v="urn:schemas-microsoft-com:vml" Requires="v">
-                <p:oleObj spid="_x0000_s2058" name="Macro-Enabled Worksheet" r:id="rId4" imgW="8244911" imgH="1432544" progId="Excel.SheetMacroEnabled.12">
+                <p:oleObj spid="_x0000_s2059" name="Macro-Enabled Worksheet" r:id="rId4" imgW="8244911" imgH="1432544" progId="Excel.SheetMacroEnabled.12">
                   <p:link updateAutomatic="1"/>
                 </p:oleObj>
               </mc:Choice>
@@ -24209,7 +24209,7 @@
           <a:graphicData uri="http://schemas.openxmlformats.org/presentationml/2006/ole">
             <mc:AlternateContent xmlns:mc="http://schemas.openxmlformats.org/markup-compatibility/2006">
               <mc:Choice xmlns:v="urn:schemas-microsoft-com:vml" Requires="v">
-                <p:oleObj spid="_x0000_s3082" name="Macro-Enabled Worksheet" r:id="rId4" imgW="8244911" imgH="1584834" progId="Excel.SheetMacroEnabled.12">
+                <p:oleObj spid="_x0000_s3083" name="Macro-Enabled Worksheet" r:id="rId4" imgW="8244911" imgH="1584834" progId="Excel.SheetMacroEnabled.12">
                   <p:link updateAutomatic="1"/>
                 </p:oleObj>
               </mc:Choice>
@@ -24327,7 +24327,7 @@
           <a:graphicData uri="http://schemas.openxmlformats.org/presentationml/2006/ole">
             <mc:AlternateContent xmlns:mc="http://schemas.openxmlformats.org/markup-compatibility/2006">
               <mc:Choice xmlns:v="urn:schemas-microsoft-com:vml" Requires="v">
-                <p:oleObj spid="_x0000_s4106" name="Macro-Enabled Worksheet" r:id="rId4" imgW="7437262" imgH="1394366" progId="Excel.SheetMacroEnabled.12">
+                <p:oleObj spid="_x0000_s4107" name="Macro-Enabled Worksheet" r:id="rId4" imgW="7437262" imgH="1394366" progId="Excel.SheetMacroEnabled.12">
                   <p:link updateAutomatic="1"/>
                 </p:oleObj>
               </mc:Choice>
@@ -25261,12 +25261,6 @@
 </file>
 
 <file path=customXml/item1.xml><?xml version="1.0" encoding="utf-8"?>
-<p:properties xmlns:p="http://schemas.microsoft.com/office/2006/metadata/properties" xmlns:xsi="http://www.w3.org/2001/XMLSchema-instance" xmlns:pc="http://schemas.microsoft.com/office/infopath/2007/PartnerControls">
-  <documentManagement/>
-</p:properties>
-</file>
-
-<file path=customXml/item2.xml><?xml version="1.0" encoding="utf-8"?>
 <ct:contentTypeSchema xmlns:ct="http://schemas.microsoft.com/office/2006/metadata/contentType" xmlns:ma="http://schemas.microsoft.com/office/2006/metadata/properties/metaAttributes" ct:_="" ma:_="" ma:contentTypeName="Document" ma:contentTypeID="0x0101001F513751AC33344AB32CFD2920EFE649" ma:contentTypeVersion="11" ma:contentTypeDescription="Create a new document." ma:contentTypeScope="" ma:versionID="683516f7d70434a0e4dbd6c476be8d5b">
   <xsd:schema xmlns:xsd="http://www.w3.org/2001/XMLSchema" xmlns:xs="http://www.w3.org/2001/XMLSchema" xmlns:p="http://schemas.microsoft.com/office/2006/metadata/properties" xmlns:ns2="72e3a154-4955-46c3-9573-e9dec3e1f195" xmlns:ns3="ec500478-62e0-46fc-87f1-cfa988e486b4" targetNamespace="http://schemas.microsoft.com/office/2006/metadata/properties" ma:root="true" ma:fieldsID="cf4a15c6a1eec5dbba94230cc6a50510" ns2:_="" ns3:_="">
     <xsd:import namespace="72e3a154-4955-46c3-9573-e9dec3e1f195"/>
@@ -25477,7 +25471,7 @@
 </ct:contentTypeSchema>
 </file>
 
-<file path=customXml/item3.xml><?xml version="1.0" encoding="utf-8"?>
+<file path=customXml/item2.xml><?xml version="1.0" encoding="utf-8"?>
 <?mso-contentType ?>
 <FormTemplates xmlns="http://schemas.microsoft.com/sharepoint/v3/contenttype/forms">
   <Display>DocumentLibraryForm</Display>
@@ -25486,24 +25480,13 @@
 </FormTemplates>
 </file>
 
-<file path=customXml/itemProps1.xml><?xml version="1.0" encoding="utf-8"?>
-<ds:datastoreItem xmlns:ds="http://schemas.openxmlformats.org/officeDocument/2006/customXml" ds:itemID="{5F07B0D7-F930-4230-933E-ABA84959494E}">
-  <ds:schemaRefs>
-    <ds:schemaRef ds:uri="http://purl.org/dc/dcmitype/"/>
-    <ds:schemaRef ds:uri="http://schemas.microsoft.com/office/2006/metadata/properties"/>
-    <ds:schemaRef ds:uri="72e3a154-4955-46c3-9573-e9dec3e1f195"/>
-    <ds:schemaRef ds:uri="http://schemas.microsoft.com/office/2006/documentManagement/types"/>
-    <ds:schemaRef ds:uri="http://purl.org/dc/terms/"/>
-    <ds:schemaRef ds:uri="http://purl.org/dc/elements/1.1/"/>
-    <ds:schemaRef ds:uri="http://schemas.microsoft.com/office/infopath/2007/PartnerControls"/>
-    <ds:schemaRef ds:uri="http://schemas.openxmlformats.org/package/2006/metadata/core-properties"/>
-    <ds:schemaRef ds:uri="ec500478-62e0-46fc-87f1-cfa988e486b4"/>
-    <ds:schemaRef ds:uri="http://www.w3.org/XML/1998/namespace"/>
-  </ds:schemaRefs>
-</ds:datastoreItem>
+<file path=customXml/item3.xml><?xml version="1.0" encoding="utf-8"?>
+<p:properties xmlns:p="http://schemas.microsoft.com/office/2006/metadata/properties" xmlns:xsi="http://www.w3.org/2001/XMLSchema-instance" xmlns:pc="http://schemas.microsoft.com/office/infopath/2007/PartnerControls">
+  <documentManagement/>
+</p:properties>
 </file>
 
-<file path=customXml/itemProps2.xml><?xml version="1.0" encoding="utf-8"?>
+<file path=customXml/itemProps1.xml><?xml version="1.0" encoding="utf-8"?>
 <ds:datastoreItem xmlns:ds="http://schemas.openxmlformats.org/officeDocument/2006/customXml" ds:itemID="{CBD4B3B2-3D3C-4F85-B2D6-F89B005D67E0}">
   <ds:schemaRefs>
     <ds:schemaRef ds:uri="http://schemas.microsoft.com/office/2006/metadata/contentType"/>
@@ -25522,10 +25505,27 @@
 </ds:datastoreItem>
 </file>
 
-<file path=customXml/itemProps3.xml><?xml version="1.0" encoding="utf-8"?>
+<file path=customXml/itemProps2.xml><?xml version="1.0" encoding="utf-8"?>
 <ds:datastoreItem xmlns:ds="http://schemas.openxmlformats.org/officeDocument/2006/customXml" ds:itemID="{B8B49826-D5EE-4D24-B649-7C3A19B527D2}">
   <ds:schemaRefs>
     <ds:schemaRef ds:uri="http://schemas.microsoft.com/sharepoint/v3/contenttype/forms"/>
   </ds:schemaRefs>
 </ds:datastoreItem>
+</file>
+
+<file path=customXml/itemProps3.xml><?xml version="1.0" encoding="utf-8"?>
+<ds:datastoreItem xmlns:ds="http://schemas.openxmlformats.org/officeDocument/2006/customXml" ds:itemID="{5F07B0D7-F930-4230-933E-ABA84959494E}">
+  <ds:schemaRefs>
+    <ds:schemaRef ds:uri="http://purl.org/dc/dcmitype/"/>
+    <ds:schemaRef ds:uri="http://schemas.microsoft.com/office/2006/metadata/properties"/>
+    <ds:schemaRef ds:uri="72e3a154-4955-46c3-9573-e9dec3e1f195"/>
+    <ds:schemaRef ds:uri="http://schemas.microsoft.com/office/2006/documentManagement/types"/>
+    <ds:schemaRef ds:uri="http://purl.org/dc/terms/"/>
+    <ds:schemaRef ds:uri="http://purl.org/dc/elements/1.1/"/>
+    <ds:schemaRef ds:uri="http://schemas.microsoft.com/office/infopath/2007/PartnerControls"/>
+    <ds:schemaRef ds:uri="http://schemas.openxmlformats.org/package/2006/metadata/core-properties"/>
+    <ds:schemaRef ds:uri="ec500478-62e0-46fc-87f1-cfa988e486b4"/>
+    <ds:schemaRef ds:uri="http://www.w3.org/XML/1998/namespace"/>
+  </ds:schemaRefs>
+</ds:datastoreItem>
 </file>